--- a/Christian Paulo Gomonit - Mini Project 1 Proposal.pptx
+++ b/Christian Paulo Gomonit - Mini Project 1 Proposal.pptx
@@ -6086,7 +6086,7 @@
         <p:spPr>
           <a:xfrm>
             <a:off x="476249" y="1714500"/>
-            <a:ext cx="4382965" cy="2308294"/>
+            <a:ext cx="4382965" cy="2000517"/>
           </a:xfrm>
           <a:prstGeom prst="rect">
             <a:avLst/>
@@ -6204,29 +6204,8 @@
                 <a:cs typeface="Roboto"/>
                 <a:sym typeface="Roboto"/>
               </a:rPr>
-              <a:t>Christian Paulo Gomonit </a:t>
+              <a:t>Christian Paulo Gomonit</a:t>
             </a:r>
-          </a:p>
-          <a:p>
-            <a:pPr marL="0" lvl="0" indent="0" algn="l" rtl="0">
-              <a:spcBef>
-                <a:spcPts val="0"/>
-              </a:spcBef>
-              <a:spcAft>
-                <a:spcPts val="0"/>
-              </a:spcAft>
-              <a:buNone/>
-            </a:pPr>
-            <a:r>
-              <a:rPr lang="en" sz="2000" b="1" dirty="0">
-                <a:latin typeface="Roboto"/>
-                <a:ea typeface="Roboto"/>
-                <a:cs typeface="Roboto"/>
-                <a:sym typeface="Roboto"/>
-              </a:rPr>
-              <a:t>Front-end Developer</a:t>
-            </a:r>
-            <a:endParaRPr dirty="0"/>
           </a:p>
         </p:txBody>
       </p:sp>
@@ -6543,7 +6522,16 @@
                 <a:cs typeface="Roboto"/>
                 <a:sym typeface="Roboto"/>
               </a:rPr>
-              <a:t>The e-magazine’s content will contain Dota 2 recent news, patch descriptions, blogs, and current livestreams</a:t>
+              <a:t>The e-magazine’s content will contain Dota 2 recent news, patch descriptions, team leaderboards, and </a:t>
+            </a:r>
+            <a:r>
+              <a:rPr lang="en-PH" dirty="0">
+                <a:latin typeface="Roboto"/>
+                <a:ea typeface="Roboto"/>
+                <a:cs typeface="Roboto"/>
+                <a:sym typeface="Roboto"/>
+              </a:rPr>
+              <a:t>recent VODs (videos-on-demand)</a:t>
             </a:r>
             <a:endParaRPr dirty="0">
               <a:latin typeface="Roboto"/>
@@ -6593,7 +6581,7 @@
                 <a:cs typeface="Roboto"/>
                 <a:sym typeface="Roboto"/>
               </a:rPr>
-              <a:t>The e-magazine will provide up-to-date information for existing players, according to the content that they choose to visit on the e-magazine</a:t>
+              <a:t>The e-magazine will provide up-to-date information for players, according to the content that they choose to visit on the e-magazine</a:t>
             </a:r>
             <a:endParaRPr dirty="0">
               <a:latin typeface="Roboto"/>
@@ -6959,7 +6947,7 @@
               <a:buChar char="●"/>
             </a:pPr>
             <a:r>
-              <a:rPr lang="en-PH" dirty="0">
+              <a:rPr lang="en-GB" dirty="0">
                 <a:latin typeface="Roboto"/>
                 <a:ea typeface="Roboto"/>
                 <a:cs typeface="Roboto"/>
@@ -6979,7 +6967,7 @@
               <a:buSzPts val="1400"/>
             </a:pPr>
             <a:r>
-              <a:rPr lang="en-PH" dirty="0">
+              <a:rPr lang="en-GB" dirty="0">
                 <a:latin typeface="Roboto"/>
                 <a:ea typeface="Roboto"/>
                 <a:cs typeface="Roboto"/>
@@ -6999,7 +6987,7 @@
               <a:buSzPts val="1400"/>
             </a:pPr>
             <a:r>
-              <a:rPr lang="en-PH" dirty="0">
+              <a:rPr lang="en-GB" dirty="0">
                 <a:latin typeface="Roboto"/>
                 <a:ea typeface="Roboto"/>
                 <a:cs typeface="Roboto"/>
@@ -7019,7 +7007,7 @@
               <a:buSzPts val="1400"/>
             </a:pPr>
             <a:r>
-              <a:rPr lang="en-PH" dirty="0">
+              <a:rPr lang="en-GB" dirty="0">
                 <a:latin typeface="Roboto"/>
                 <a:ea typeface="Roboto"/>
                 <a:cs typeface="Roboto"/>
@@ -7027,12 +7015,6 @@
               </a:rPr>
               <a:t>	Furnishing of pages – until deadline of submission</a:t>
             </a:r>
-            <a:endParaRPr dirty="0">
-              <a:latin typeface="Roboto"/>
-              <a:ea typeface="Roboto"/>
-              <a:cs typeface="Roboto"/>
-              <a:sym typeface="Roboto"/>
-            </a:endParaRPr>
           </a:p>
           <a:p>
             <a:pPr marL="457200" lvl="0" indent="-317500" algn="l" rtl="0">
@@ -7047,7 +7029,7 @@
               <a:buChar char="●"/>
             </a:pPr>
             <a:r>
-              <a:rPr lang="en" dirty="0">
+              <a:rPr lang="en-GB" dirty="0">
                 <a:latin typeface="Roboto"/>
                 <a:ea typeface="Roboto"/>
                 <a:cs typeface="Roboto"/>
@@ -7528,10 +7510,10 @@
       </p:sp>
       <p:pic>
         <p:nvPicPr>
-          <p:cNvPr id="3" name="Picture 2">
+          <p:cNvPr id="4" name="Picture 3">
             <a:extLst>
               <a:ext uri="{FF2B5EF4-FFF2-40B4-BE49-F238E27FC236}">
-                <a16:creationId xmlns:a16="http://schemas.microsoft.com/office/drawing/2014/main" id="{CA606CBD-28A3-C189-0C5C-D03D8E630576}"/>
+                <a16:creationId xmlns:a16="http://schemas.microsoft.com/office/drawing/2014/main" id="{8047CE1B-265F-3728-5BC3-01A33566CA16}"/>
               </a:ext>
             </a:extLst>
           </p:cNvPr>
@@ -7548,8 +7530,8 @@
         </p:blipFill>
         <p:spPr>
           <a:xfrm>
-            <a:off x="1904766" y="1915454"/>
-            <a:ext cx="5419968" cy="1941270"/>
+            <a:off x="392037" y="1899418"/>
+            <a:ext cx="8445425" cy="2006006"/>
           </a:xfrm>
           <a:prstGeom prst="rect">
             <a:avLst/>
